--- a/doc/BIRTvsJasper.pptx
+++ b/doc/BIRTvsJasper.pptx
@@ -25282,7 +25282,7 @@
             </a:r>
             <a:r>
               <a:rPr lang="de-DE" dirty="0" smtClean="0"/>
-              <a:t> Pixelgenaue Layouts; Diversität des Designers4</a:t>
+              <a:t> Pixelgenaue Layouts; Diversität des Designers</a:t>
             </a:r>
             <a:endParaRPr lang="de-DE" dirty="0" smtClean="0"/>
           </a:p>

--- a/doc/BIRTvsJasper.pptx
+++ b/doc/BIRTvsJasper.pptx
@@ -236,7 +236,7 @@
           <a:p>
             <a:fld id="{1A3B36DA-879C-4794-8A2C-6EB2A262E48E}" type="datetimeFigureOut">
               <a:rPr lang="de-DE" smtClean="0"/>
-              <a:t>13.02.2015</a:t>
+              <a:t>16.02.2015</a:t>
             </a:fld>
             <a:endParaRPr lang="de-DE"/>
           </a:p>
@@ -7233,7 +7233,7 @@
             <a:fld id="{B61BEF0D-F0BB-DE4B-95CE-6DB70DBA9567}" type="datetimeFigureOut">
               <a:rPr lang="en-US" dirty="0"/>
               <a:pPr/>
-              <a:t>2/13/2015</a:t>
+              <a:t>2/16/2015</a:t>
             </a:fld>
             <a:endParaRPr lang="en-US" dirty="0"/>
           </a:p>
@@ -7481,7 +7481,7 @@
             <a:fld id="{B61BEF0D-F0BB-DE4B-95CE-6DB70DBA9567}" type="datetimeFigureOut">
               <a:rPr lang="en-US" dirty="0"/>
               <a:pPr/>
-              <a:t>2/13/2015</a:t>
+              <a:t>2/16/2015</a:t>
             </a:fld>
             <a:endParaRPr lang="en-US" dirty="0"/>
           </a:p>
@@ -7792,7 +7792,7 @@
             <a:fld id="{B61BEF0D-F0BB-DE4B-95CE-6DB70DBA9567}" type="datetimeFigureOut">
               <a:rPr lang="en-US" dirty="0"/>
               <a:pPr/>
-              <a:t>2/13/2015</a:t>
+              <a:t>2/16/2015</a:t>
             </a:fld>
             <a:endParaRPr lang="en-US" dirty="0"/>
           </a:p>
@@ -8130,7 +8130,7 @@
             <a:fld id="{B61BEF0D-F0BB-DE4B-95CE-6DB70DBA9567}" type="datetimeFigureOut">
               <a:rPr lang="en-US" dirty="0"/>
               <a:pPr/>
-              <a:t>2/13/2015</a:t>
+              <a:t>2/16/2015</a:t>
             </a:fld>
             <a:endParaRPr lang="en-US" dirty="0"/>
           </a:p>
@@ -8441,7 +8441,7 @@
             <a:fld id="{B61BEF0D-F0BB-DE4B-95CE-6DB70DBA9567}" type="datetimeFigureOut">
               <a:rPr lang="en-US" dirty="0"/>
               <a:pPr/>
-              <a:t>2/13/2015</a:t>
+              <a:t>2/16/2015</a:t>
             </a:fld>
             <a:endParaRPr lang="en-US" dirty="0"/>
           </a:p>
@@ -8831,7 +8831,7 @@
             <a:fld id="{B61BEF0D-F0BB-DE4B-95CE-6DB70DBA9567}" type="datetimeFigureOut">
               <a:rPr lang="en-US" dirty="0"/>
               <a:pPr/>
-              <a:t>2/13/2015</a:t>
+              <a:t>2/16/2015</a:t>
             </a:fld>
             <a:endParaRPr lang="en-US" dirty="0"/>
           </a:p>
@@ -8997,7 +8997,7 @@
           <a:p>
             <a:fld id="{55C6B4A9-1611-4792-9094-5F34BCA07E0B}" type="datetimeFigureOut">
               <a:rPr lang="en-US" dirty="0"/>
-              <a:t>2/13/2015</a:t>
+              <a:t>2/16/2015</a:t>
             </a:fld>
             <a:endParaRPr lang="en-US" dirty="0"/>
           </a:p>
@@ -9173,7 +9173,7 @@
             <a:fld id="{B61BEF0D-F0BB-DE4B-95CE-6DB70DBA9567}" type="datetimeFigureOut">
               <a:rPr lang="en-US" dirty="0"/>
               <a:pPr/>
-              <a:t>2/13/2015</a:t>
+              <a:t>2/16/2015</a:t>
             </a:fld>
             <a:endParaRPr lang="en-US" dirty="0"/>
           </a:p>
@@ -9346,7 +9346,7 @@
             <a:fld id="{B61BEF0D-F0BB-DE4B-95CE-6DB70DBA9567}" type="datetimeFigureOut">
               <a:rPr lang="en-US" dirty="0"/>
               <a:pPr/>
-              <a:t>2/13/2015</a:t>
+              <a:t>2/16/2015</a:t>
             </a:fld>
             <a:endParaRPr lang="en-US" dirty="0"/>
           </a:p>
@@ -9590,7 +9590,7 @@
             <a:fld id="{B61BEF0D-F0BB-DE4B-95CE-6DB70DBA9567}" type="datetimeFigureOut">
               <a:rPr lang="en-US" dirty="0"/>
               <a:pPr/>
-              <a:t>2/13/2015</a:t>
+              <a:t>2/16/2015</a:t>
             </a:fld>
             <a:endParaRPr lang="en-US" dirty="0"/>
           </a:p>
@@ -9818,7 +9818,7 @@
           <a:p>
             <a:fld id="{EB712588-04B1-427B-82EE-E8DB90309F08}" type="datetimeFigureOut">
               <a:rPr lang="en-US" dirty="0"/>
-              <a:t>2/13/2015</a:t>
+              <a:t>2/16/2015</a:t>
             </a:fld>
             <a:endParaRPr lang="en-US" dirty="0"/>
           </a:p>
@@ -10188,7 +10188,7 @@
             <a:fld id="{B61BEF0D-F0BB-DE4B-95CE-6DB70DBA9567}" type="datetimeFigureOut">
               <a:rPr lang="en-US" dirty="0"/>
               <a:pPr/>
-              <a:t>2/13/2015</a:t>
+              <a:t>2/16/2015</a:t>
             </a:fld>
             <a:endParaRPr lang="en-US" dirty="0"/>
           </a:p>
@@ -10308,7 +10308,7 @@
             <a:fld id="{B61BEF0D-F0BB-DE4B-95CE-6DB70DBA9567}" type="datetimeFigureOut">
               <a:rPr lang="en-US" dirty="0"/>
               <a:pPr/>
-              <a:t>2/13/2015</a:t>
+              <a:t>2/16/2015</a:t>
             </a:fld>
             <a:endParaRPr lang="en-US" dirty="0"/>
           </a:p>
@@ -10400,7 +10400,7 @@
             <a:fld id="{B61BEF0D-F0BB-DE4B-95CE-6DB70DBA9567}" type="datetimeFigureOut">
               <a:rPr lang="en-US" dirty="0"/>
               <a:pPr/>
-              <a:t>2/13/2015</a:t>
+              <a:t>2/16/2015</a:t>
             </a:fld>
             <a:endParaRPr lang="en-US" dirty="0"/>
           </a:p>
@@ -10651,7 +10651,7 @@
           <a:p>
             <a:fld id="{42A54C80-263E-416B-A8E0-580EDEADCBDC}" type="datetimeFigureOut">
               <a:rPr lang="en-US" dirty="0"/>
-              <a:t>2/13/2015</a:t>
+              <a:t>2/16/2015</a:t>
             </a:fld>
             <a:endParaRPr lang="en-US" dirty="0"/>
           </a:p>
@@ -10910,7 +10910,7 @@
             <a:fld id="{B61BEF0D-F0BB-DE4B-95CE-6DB70DBA9567}" type="datetimeFigureOut">
               <a:rPr lang="en-US" dirty="0"/>
               <a:pPr/>
-              <a:t>2/13/2015</a:t>
+              <a:t>2/16/2015</a:t>
             </a:fld>
             <a:endParaRPr lang="en-US" dirty="0"/>
           </a:p>
@@ -11650,7 +11650,7 @@
             <a:fld id="{B61BEF0D-F0BB-DE4B-95CE-6DB70DBA9567}" type="datetimeFigureOut">
               <a:rPr lang="en-US" dirty="0"/>
               <a:pPr/>
-              <a:t>2/13/2015</a:t>
+              <a:t>2/16/2015</a:t>
             </a:fld>
             <a:endParaRPr lang="en-US" dirty="0"/>
           </a:p>
@@ -12210,11 +12210,7 @@
           <a:p>
             <a:r>
               <a:rPr lang="de-DE" dirty="0" smtClean="0"/>
-              <a:t>Reporting </a:t>
-            </a:r>
-            <a:r>
-              <a:rPr lang="de-DE" dirty="0" smtClean="0"/>
-              <a:t>Tools unter der Lupe</a:t>
+              <a:t>Reporting Tools unter der Lupe</a:t>
             </a:r>
             <a:endParaRPr lang="de-DE" dirty="0"/>
           </a:p>
@@ -14947,9 +14943,10 @@
           <a:p>
             <a:pPr algn="ctr"/>
             <a:r>
-              <a:rPr lang="de-DE"/>
+              <a:rPr lang="de-DE" dirty="0" err="1"/>
               <a:t>JasperCompileManager</a:t>
             </a:r>
+            <a:endParaRPr lang="de-DE" dirty="0"/>
           </a:p>
         </p:txBody>
       </p:sp>
@@ -25255,11 +25252,7 @@
             </a:r>
             <a:r>
               <a:rPr lang="de-DE" b="1" dirty="0" smtClean="0"/>
-              <a:t>Stärken und </a:t>
-            </a:r>
-            <a:r>
-              <a:rPr lang="de-DE" b="1" dirty="0" smtClean="0"/>
-              <a:t>Schwächen</a:t>
+              <a:t>Stärken und Schwächen</a:t>
             </a:r>
           </a:p>
           <a:p>
@@ -25272,7 +25265,6 @@
               <a:rPr lang="de-DE" dirty="0" smtClean="0"/>
               <a:t>Scripting / Dynamik; eigene Daten-Konnektoren</a:t>
             </a:r>
-            <a:endParaRPr lang="de-DE" dirty="0" smtClean="0"/>
           </a:p>
           <a:p>
             <a:pPr lvl="1"/>
@@ -25284,7 +25276,6 @@
               <a:rPr lang="de-DE" dirty="0" smtClean="0"/>
               <a:t> Pixelgenaue Layouts; Diversität des Designers</a:t>
             </a:r>
-            <a:endParaRPr lang="de-DE" dirty="0" smtClean="0"/>
           </a:p>
           <a:p>
             <a:r>
